--- a/lesson4/class-composition.pptx
+++ b/lesson4/class-composition.pptx
@@ -3186,11 +3186,7 @@
           <a:p>
             <a:r>
               <a:rPr lang="zh-CN" altLang="en-US" dirty="0" smtClean="0"/>
-              <a:t>例</a:t>
-            </a:r>
-            <a:r>
-              <a:rPr lang="zh-CN" altLang="en-US" dirty="0" smtClean="0"/>
-              <a:t>如：</a:t>
+              <a:t>例如：</a:t>
             </a:r>
             <a:r>
               <a:rPr lang="en-US" altLang="zh-CN" dirty="0" smtClean="0"/>
@@ -3290,11 +3286,7 @@
           <a:p>
             <a:r>
               <a:rPr lang="zh-CN" altLang="en-US" dirty="0" smtClean="0"/>
-              <a:t>基本语法</a:t>
-            </a:r>
-            <a:r>
-              <a:rPr lang="zh-CN" altLang="en-US" dirty="0" smtClean="0"/>
-              <a:t>（</a:t>
+              <a:t>基本语法（</a:t>
             </a:r>
             <a:r>
               <a:rPr lang="en-US" altLang="zh-CN" dirty="0" smtClean="0"/>
@@ -3302,11 +3294,7 @@
             </a:r>
             <a:r>
               <a:rPr lang="zh-CN" altLang="en-US" dirty="0" smtClean="0"/>
-              <a:t>类</a:t>
-            </a:r>
-            <a:r>
-              <a:rPr lang="zh-CN" altLang="en-US" dirty="0" smtClean="0"/>
-              <a:t>）</a:t>
+              <a:t>类）</a:t>
             </a:r>
             <a:endParaRPr lang="zh-CN" altLang="en-US" dirty="0"/>
           </a:p>
@@ -3341,22 +3329,21 @@
               <a:rPr lang="en-US" altLang="zh-CN" dirty="0" smtClean="0"/>
               <a:t>{</a:t>
             </a:r>
+          </a:p>
+          <a:p>
+            <a:r>
+              <a:rPr lang="en-US" altLang="zh-CN" dirty="0" smtClean="0"/>
+              <a:t>    // </a:t>
+            </a:r>
+            <a:r>
+              <a:rPr lang="zh-CN" altLang="en-US" dirty="0" smtClean="0"/>
+              <a:t>成员变量</a:t>
+            </a:r>
             <a:endParaRPr lang="en-US" altLang="zh-CN" dirty="0" smtClean="0"/>
           </a:p>
           <a:p>
             <a:r>
               <a:rPr lang="en-US" altLang="zh-CN" dirty="0" smtClean="0"/>
-              <a:t>    // </a:t>
-            </a:r>
-            <a:r>
-              <a:rPr lang="zh-CN" altLang="en-US" dirty="0" smtClean="0"/>
-              <a:t>成员变量</a:t>
-            </a:r>
-            <a:endParaRPr lang="en-US" altLang="zh-CN" dirty="0" smtClean="0"/>
-          </a:p>
-          <a:p>
-            <a:r>
-              <a:rPr lang="en-US" altLang="zh-CN" dirty="0" smtClean="0"/>
               <a:t>   &lt;</a:t>
             </a:r>
             <a:r>
@@ -3387,11 +3374,7 @@
             </a:r>
             <a:r>
               <a:rPr lang="en-US" altLang="zh-CN" dirty="0" smtClean="0"/>
-              <a:t>(&lt;</a:t>
-            </a:r>
-            <a:r>
-              <a:rPr lang="en-US" altLang="zh-CN" dirty="0" smtClean="0"/>
-              <a:t>type&gt; arg1, &lt;type&gt; arg2, …) {</a:t>
+              <a:t>(&lt;type&gt; arg1, &lt;type&gt; arg2, …) {</a:t>
             </a:r>
           </a:p>
           <a:p>
@@ -3514,11 +3497,7 @@
           <a:p>
             <a:r>
               <a:rPr lang="zh-CN" altLang="en-US" dirty="0" smtClean="0"/>
-              <a:t>基本语法</a:t>
-            </a:r>
-            <a:r>
-              <a:rPr lang="zh-CN" altLang="en-US" dirty="0" smtClean="0"/>
-              <a:t>（</a:t>
+              <a:t>基本语法（</a:t>
             </a:r>
             <a:r>
               <a:rPr lang="en-US" altLang="zh-CN" dirty="0" smtClean="0"/>
@@ -3526,11 +3505,7 @@
             </a:r>
             <a:r>
               <a:rPr lang="zh-CN" altLang="en-US" dirty="0" smtClean="0"/>
-              <a:t>类</a:t>
-            </a:r>
-            <a:r>
-              <a:rPr lang="zh-CN" altLang="en-US" dirty="0" smtClean="0"/>
-              <a:t>）</a:t>
+              <a:t>类）</a:t>
             </a:r>
             <a:endParaRPr lang="zh-CN" altLang="en-US" dirty="0"/>
           </a:p>
@@ -3565,34 +3540,55 @@
               <a:rPr lang="en-US" altLang="zh-CN" dirty="0" smtClean="0"/>
               <a:t>{</a:t>
             </a:r>
+          </a:p>
+          <a:p>
+            <a:r>
+              <a:rPr lang="en-US" altLang="zh-CN" dirty="0" smtClean="0"/>
+              <a:t>    // </a:t>
+            </a:r>
+            <a:r>
+              <a:rPr lang="zh-CN" altLang="en-US" dirty="0" smtClean="0"/>
+              <a:t>成员变量</a:t>
+            </a:r>
             <a:endParaRPr lang="en-US" altLang="zh-CN" dirty="0" smtClean="0"/>
           </a:p>
           <a:p>
-            <a:r>
-              <a:rPr lang="en-US" altLang="zh-CN" dirty="0" smtClean="0"/>
-              <a:t>    // </a:t>
-            </a:r>
-            <a:r>
-              <a:rPr lang="zh-CN" altLang="en-US" dirty="0" smtClean="0"/>
-              <a:t>成员变</a:t>
-            </a:r>
-            <a:r>
-              <a:rPr lang="zh-CN" altLang="en-US" dirty="0" smtClean="0"/>
-              <a:t>量</a:t>
-            </a:r>
-            <a:endParaRPr lang="en-US" altLang="zh-CN" dirty="0" smtClean="0"/>
-          </a:p>
-          <a:p>
             <a:pPr lvl="1">
               <a:buNone/>
             </a:pPr>
             <a:r>
               <a:rPr lang="en-US" altLang="zh-CN" dirty="0" smtClean="0"/>
+              <a:t>   &lt;</a:t>
+            </a:r>
+            <a:r>
+              <a:rPr lang="en-US" altLang="zh-CN" dirty="0" err="1" smtClean="0"/>
+              <a:t>accessor_keyword</a:t>
+            </a:r>
+            <a:r>
+              <a:rPr lang="en-US" altLang="zh-CN" dirty="0" smtClean="0"/>
+              <a:t>&gt; </a:t>
+            </a:r>
+            <a:r>
+              <a:rPr lang="en-US" altLang="zh-CN" dirty="0" err="1" smtClean="0"/>
+              <a:t>ClassB</a:t>
+            </a:r>
+            <a:r>
+              <a:rPr lang="en-US" altLang="zh-CN" dirty="0" smtClean="0"/>
               <a:t> </a:t>
             </a:r>
             <a:r>
-              <a:rPr lang="en-US" altLang="zh-CN" dirty="0" smtClean="0"/>
-              <a:t>  &lt;</a:t>
+              <a:rPr lang="en-US" altLang="zh-CN" dirty="0" err="1" smtClean="0"/>
+              <a:t>var_name</a:t>
+            </a:r>
+            <a:r>
+              <a:rPr lang="en-US" altLang="zh-CN" dirty="0" smtClean="0"/>
+              <a:t>;</a:t>
+            </a:r>
+          </a:p>
+          <a:p>
+            <a:r>
+              <a:rPr lang="en-US" altLang="zh-CN" dirty="0" smtClean="0"/>
+              <a:t>   &lt;</a:t>
             </a:r>
             <a:r>
               <a:rPr lang="en-US" altLang="zh-CN" dirty="0" err="1" smtClean="0"/>
@@ -3600,15 +3596,7 @@
             </a:r>
             <a:r>
               <a:rPr lang="en-US" altLang="zh-CN" dirty="0" smtClean="0"/>
-              <a:t>&gt; </a:t>
-            </a:r>
-            <a:r>
-              <a:rPr lang="en-US" altLang="zh-CN" dirty="0" err="1" smtClean="0"/>
-              <a:t>ClassB</a:t>
-            </a:r>
-            <a:r>
-              <a:rPr lang="en-US" altLang="zh-CN" dirty="0" smtClean="0"/>
-              <a:t> </a:t>
+              <a:t>&gt; &lt;type&gt; </a:t>
             </a:r>
             <a:r>
               <a:rPr lang="en-US" altLang="zh-CN" dirty="0" err="1" smtClean="0"/>
@@ -3618,7 +3606,40 @@
               <a:rPr lang="en-US" altLang="zh-CN" dirty="0" smtClean="0"/>
               <a:t>;</a:t>
             </a:r>
-            <a:endParaRPr lang="en-US" altLang="zh-CN" dirty="0" smtClean="0"/>
+          </a:p>
+          <a:p>
+            <a:r>
+              <a:rPr lang="en-US" altLang="zh-CN" dirty="0" smtClean="0"/>
+              <a:t>   public </a:t>
+            </a:r>
+            <a:r>
+              <a:rPr lang="en-US" altLang="zh-CN" dirty="0" err="1" smtClean="0"/>
+              <a:t>ClassA</a:t>
+            </a:r>
+            <a:r>
+              <a:rPr lang="en-US" altLang="zh-CN" dirty="0" smtClean="0"/>
+              <a:t>(&lt;type&gt; arg1, &lt;type&gt; arg2, …) {</a:t>
+            </a:r>
+          </a:p>
+          <a:p>
+            <a:r>
+              <a:rPr lang="en-US" altLang="zh-CN" dirty="0" smtClean="0"/>
+              <a:t>     //</a:t>
+            </a:r>
+            <a:r>
+              <a:rPr lang="zh-CN" altLang="en-US" dirty="0" smtClean="0"/>
+              <a:t>构造函数</a:t>
+            </a:r>
+            <a:r>
+              <a:rPr lang="en-US" altLang="zh-CN" dirty="0" smtClean="0"/>
+              <a:t>  </a:t>
+            </a:r>
+          </a:p>
+          <a:p>
+            <a:r>
+              <a:rPr lang="en-US" altLang="zh-CN" dirty="0" smtClean="0"/>
+              <a:t>  }</a:t>
+            </a:r>
           </a:p>
           <a:p>
             <a:r>
@@ -3635,103 +3656,38 @@
             </a:r>
             <a:r>
               <a:rPr lang="en-US" altLang="zh-CN" dirty="0" err="1" smtClean="0"/>
+              <a:t>method_name</a:t>
+            </a:r>
+            <a:r>
+              <a:rPr lang="en-US" altLang="zh-CN" dirty="0" smtClean="0"/>
+              <a:t>(&lt;type&gt; arg1, &lt;type&gt; arg2, …){</a:t>
+            </a:r>
+          </a:p>
+          <a:p>
+            <a:r>
+              <a:rPr lang="en-US" altLang="zh-CN" dirty="0" smtClean="0"/>
+              <a:t>   // </a:t>
+            </a:r>
+            <a:r>
+              <a:rPr lang="zh-CN" altLang="en-US" dirty="0" smtClean="0"/>
+              <a:t>成员方法</a:t>
+            </a:r>
+            <a:r>
+              <a:rPr lang="en-US" altLang="zh-CN" dirty="0" smtClean="0"/>
+              <a:t>   </a:t>
+            </a:r>
+          </a:p>
+          <a:p>
+            <a:r>
+              <a:rPr lang="en-US" altLang="zh-CN" dirty="0" smtClean="0"/>
+              <a:t>    </a:t>
+            </a:r>
+            <a:r>
+              <a:rPr lang="en-US" altLang="zh-CN" dirty="0" err="1" smtClean="0"/>
               <a:t>var_name</a:t>
             </a:r>
             <a:r>
               <a:rPr lang="en-US" altLang="zh-CN" dirty="0" smtClean="0"/>
-              <a:t>;</a:t>
-            </a:r>
-          </a:p>
-          <a:p>
-            <a:r>
-              <a:rPr lang="en-US" altLang="zh-CN" dirty="0" smtClean="0"/>
-              <a:t>   public </a:t>
-            </a:r>
-            <a:r>
-              <a:rPr lang="en-US" altLang="zh-CN" dirty="0" err="1" smtClean="0"/>
-              <a:t>ClassA</a:t>
-            </a:r>
-            <a:r>
-              <a:rPr lang="en-US" altLang="zh-CN" dirty="0" smtClean="0"/>
-              <a:t>(&lt;</a:t>
-            </a:r>
-            <a:r>
-              <a:rPr lang="en-US" altLang="zh-CN" dirty="0" smtClean="0"/>
-              <a:t>type&gt; arg1, &lt;type&gt; arg2, …) {</a:t>
-            </a:r>
-          </a:p>
-          <a:p>
-            <a:r>
-              <a:rPr lang="en-US" altLang="zh-CN" dirty="0" smtClean="0"/>
-              <a:t>     //</a:t>
-            </a:r>
-            <a:r>
-              <a:rPr lang="zh-CN" altLang="en-US" dirty="0" smtClean="0"/>
-              <a:t>构造函数</a:t>
-            </a:r>
-            <a:r>
-              <a:rPr lang="en-US" altLang="zh-CN" dirty="0" smtClean="0"/>
-              <a:t>  </a:t>
-            </a:r>
-          </a:p>
-          <a:p>
-            <a:r>
-              <a:rPr lang="en-US" altLang="zh-CN" dirty="0" smtClean="0"/>
-              <a:t>  }</a:t>
-            </a:r>
-          </a:p>
-          <a:p>
-            <a:r>
-              <a:rPr lang="en-US" altLang="zh-CN" dirty="0" smtClean="0"/>
-              <a:t>   &lt;</a:t>
-            </a:r>
-            <a:r>
-              <a:rPr lang="en-US" altLang="zh-CN" dirty="0" err="1" smtClean="0"/>
-              <a:t>accessor_keyword</a:t>
-            </a:r>
-            <a:r>
-              <a:rPr lang="en-US" altLang="zh-CN" dirty="0" smtClean="0"/>
-              <a:t>&gt; &lt;type&gt; </a:t>
-            </a:r>
-            <a:r>
-              <a:rPr lang="en-US" altLang="zh-CN" dirty="0" err="1" smtClean="0"/>
-              <a:t>method_name</a:t>
-            </a:r>
-            <a:r>
-              <a:rPr lang="en-US" altLang="zh-CN" dirty="0" smtClean="0"/>
-              <a:t>(&lt;type&gt; arg1, &lt;type&gt; arg2, …){</a:t>
-            </a:r>
-          </a:p>
-          <a:p>
-            <a:r>
-              <a:rPr lang="en-US" altLang="zh-CN" dirty="0" smtClean="0"/>
-              <a:t>   // </a:t>
-            </a:r>
-            <a:r>
-              <a:rPr lang="zh-CN" altLang="en-US" dirty="0" smtClean="0"/>
-              <a:t>成员方法</a:t>
-            </a:r>
-            <a:r>
-              <a:rPr lang="en-US" altLang="zh-CN" dirty="0" smtClean="0"/>
-              <a:t>   </a:t>
-            </a:r>
-            <a:endParaRPr lang="en-US" altLang="zh-CN" dirty="0" smtClean="0"/>
-          </a:p>
-          <a:p>
-            <a:r>
-              <a:rPr lang="en-US" altLang="zh-CN" dirty="0" smtClean="0"/>
-              <a:t> </a:t>
-            </a:r>
-            <a:r>
-              <a:rPr lang="en-US" altLang="zh-CN" dirty="0" smtClean="0"/>
-              <a:t>   </a:t>
-            </a:r>
-            <a:r>
-              <a:rPr lang="en-US" altLang="zh-CN" dirty="0" err="1" smtClean="0"/>
-              <a:t>var_name</a:t>
-            </a:r>
-            <a:r>
-              <a:rPr lang="en-US" altLang="zh-CN" dirty="0" smtClean="0"/>
               <a:t>.&lt;B</a:t>
             </a:r>
             <a:r>
@@ -3742,7 +3698,6 @@
               <a:rPr lang="en-US" altLang="zh-CN" dirty="0" smtClean="0"/>
               <a:t>&gt;.</a:t>
             </a:r>
-            <a:endParaRPr lang="en-US" altLang="zh-CN" dirty="0" smtClean="0"/>
           </a:p>
           <a:p>
             <a:r>
@@ -3841,11 +3796,7 @@
           <a:p>
             <a:r>
               <a:rPr lang="zh-CN" altLang="en-US" dirty="0" smtClean="0"/>
-              <a:t>其</a:t>
-            </a:r>
-            <a:r>
-              <a:rPr lang="zh-CN" altLang="en-US" dirty="0" smtClean="0"/>
-              <a:t>中一个人有</a:t>
+              <a:t>其中一个人有</a:t>
             </a:r>
             <a:r>
               <a:rPr lang="en-US" altLang="zh-CN" dirty="0" smtClean="0"/>
@@ -3889,11 +3840,7 @@
             </a:r>
             <a:r>
               <a:rPr lang="zh-CN" altLang="en-US" dirty="0" smtClean="0"/>
-              <a:t>的父类，</a:t>
-            </a:r>
-            <a:r>
-              <a:rPr lang="zh-CN" altLang="en-US" dirty="0" smtClean="0"/>
-              <a:t>有</a:t>
+              <a:t>的父类，有</a:t>
             </a:r>
             <a:r>
               <a:rPr lang="en-US" altLang="zh-CN" dirty="0" smtClean="0"/>
@@ -3905,7 +3852,15 @@
             </a:r>
             <a:r>
               <a:rPr lang="en-US" altLang="zh-CN" dirty="0" smtClean="0"/>
-              <a:t>height 2</a:t>
+              <a:t>length</a:t>
+            </a:r>
+            <a:r>
+              <a:rPr lang="en-US" altLang="zh-CN" dirty="0" smtClean="0"/>
+              <a:t> </a:t>
+            </a:r>
+            <a:r>
+              <a:rPr lang="en-US" altLang="zh-CN" dirty="0" smtClean="0"/>
+              <a:t>2</a:t>
             </a:r>
             <a:r>
               <a:rPr lang="zh-CN" altLang="en-US" dirty="0" smtClean="0"/>
@@ -3993,6 +3948,13 @@
   <p:clrMapOvr>
     <a:masterClrMapping/>
   </p:clrMapOvr>
+  <p:timing>
+    <p:tnLst>
+      <p:par>
+        <p:cTn id="1" dur="indefinite" restart="never" nodeType="tmRoot"/>
+      </p:par>
+    </p:tnLst>
+  </p:timing>
 </p:sld>
 </file>
 
@@ -4060,11 +4022,7 @@
           <a:p>
             <a:r>
               <a:rPr lang="zh-CN" altLang="en-US" dirty="0" smtClean="0"/>
-              <a:t>类</a:t>
-            </a:r>
-            <a:r>
-              <a:rPr lang="zh-CN" altLang="en-US" dirty="0" smtClean="0"/>
-              <a:t>名</a:t>
+              <a:t>类名</a:t>
             </a:r>
             <a:r>
               <a:rPr lang="en-US" altLang="zh-CN" dirty="0" smtClean="0"/>
@@ -4079,11 +4037,7 @@
           <a:p>
             <a:r>
               <a:rPr lang="zh-CN" altLang="en-US" dirty="0" smtClean="0"/>
-              <a:t>提</a:t>
-            </a:r>
-            <a:r>
-              <a:rPr lang="zh-CN" altLang="en-US" dirty="0" smtClean="0"/>
-              <a:t>供的</a:t>
+              <a:t>提供的</a:t>
             </a:r>
             <a:r>
               <a:rPr lang="en-US" altLang="zh-CN" dirty="0" smtClean="0"/>
@@ -4099,11 +4053,7 @@
             <a:pPr lvl="1"/>
             <a:r>
               <a:rPr lang="en-US" altLang="zh-CN" dirty="0" err="1" smtClean="0"/>
-              <a:t>i</a:t>
-            </a:r>
-            <a:r>
-              <a:rPr lang="en-US" altLang="zh-CN" dirty="0" err="1" smtClean="0"/>
-              <a:t>nt</a:t>
+              <a:t>int</a:t>
             </a:r>
             <a:r>
               <a:rPr lang="en-US" altLang="zh-CN" dirty="0" smtClean="0"/>
@@ -4236,11 +4186,7 @@
           <a:p>
             <a:r>
               <a:rPr lang="zh-CN" altLang="en-US" dirty="0" smtClean="0"/>
-              <a:t>测</a:t>
-            </a:r>
-            <a:r>
-              <a:rPr lang="zh-CN" altLang="en-US" dirty="0" smtClean="0"/>
-              <a:t>试：</a:t>
+              <a:t>测试：</a:t>
             </a:r>
             <a:endParaRPr lang="en-US" altLang="zh-CN" dirty="0" smtClean="0"/>
           </a:p>
@@ -4357,11 +4303,7 @@
             </a:r>
             <a:r>
               <a:rPr lang="zh-CN" altLang="en-US" dirty="0" smtClean="0"/>
-              <a:t>输</a:t>
-            </a:r>
-            <a:r>
-              <a:rPr lang="zh-CN" altLang="en-US" dirty="0" smtClean="0"/>
-              <a:t>出</a:t>
+              <a:t>输出</a:t>
             </a:r>
             <a:r>
               <a:rPr lang="en-US" altLang="zh-CN" dirty="0" err="1" smtClean="0"/>
@@ -4427,11 +4369,7 @@
             </a:r>
             <a:r>
               <a:rPr lang="zh-CN" altLang="en-US" dirty="0" smtClean="0"/>
-              <a:t>输</a:t>
-            </a:r>
-            <a:r>
-              <a:rPr lang="zh-CN" altLang="en-US" dirty="0" smtClean="0"/>
-              <a:t>出</a:t>
+              <a:t>输出</a:t>
             </a:r>
             <a:r>
               <a:rPr lang="en-US" altLang="zh-CN" dirty="0" err="1" smtClean="0"/>
@@ -4470,11 +4408,7 @@
             </a:r>
             <a:r>
               <a:rPr lang="zh-CN" altLang="en-US" dirty="0" smtClean="0"/>
-              <a:t>输</a:t>
-            </a:r>
-            <a:r>
-              <a:rPr lang="zh-CN" altLang="en-US" dirty="0" smtClean="0"/>
-              <a:t>出</a:t>
+              <a:t>输出</a:t>
             </a:r>
             <a:r>
               <a:rPr lang="en-US" altLang="zh-CN" dirty="0" smtClean="0"/>
@@ -4531,11 +4465,7 @@
             </a:r>
             <a:r>
               <a:rPr lang="zh-CN" altLang="en-US" dirty="0" smtClean="0"/>
-              <a:t>输</a:t>
-            </a:r>
-            <a:r>
-              <a:rPr lang="zh-CN" altLang="en-US" dirty="0" smtClean="0"/>
-              <a:t>出</a:t>
+              <a:t>输出</a:t>
             </a:r>
             <a:r>
               <a:rPr lang="en-US" altLang="zh-CN" dirty="0" err="1" smtClean="0"/>
@@ -4570,6 +4500,13 @@
   <p:clrMapOvr>
     <a:masterClrMapping/>
   </p:clrMapOvr>
+  <p:timing>
+    <p:tnLst>
+      <p:par>
+        <p:cTn id="1" dur="indefinite" restart="never" nodeType="tmRoot"/>
+      </p:par>
+    </p:tnLst>
+  </p:timing>
 </p:sld>
 </file>
 

--- a/lesson4/class-composition.pptx
+++ b/lesson4/class-composition.pptx
@@ -3852,15 +3852,7 @@
             </a:r>
             <a:r>
               <a:rPr lang="en-US" altLang="zh-CN" dirty="0" smtClean="0"/>
-              <a:t>length</a:t>
-            </a:r>
-            <a:r>
-              <a:rPr lang="en-US" altLang="zh-CN" dirty="0" smtClean="0"/>
-              <a:t> </a:t>
-            </a:r>
-            <a:r>
-              <a:rPr lang="en-US" altLang="zh-CN" dirty="0" smtClean="0"/>
-              <a:t>2</a:t>
+              <a:t>length 2</a:t>
             </a:r>
             <a:r>
               <a:rPr lang="zh-CN" altLang="en-US" dirty="0" smtClean="0"/>
@@ -4016,7 +4008,7 @@
         </p:spPr>
         <p:txBody>
           <a:bodyPr>
-            <a:normAutofit fontScale="47500" lnSpcReduction="20000"/>
+            <a:normAutofit fontScale="40000" lnSpcReduction="20000"/>
           </a:bodyPr>
           <a:lstStyle/>
           <a:p>
@@ -4470,6 +4462,29 @@
             <a:r>
               <a:rPr lang="en-US" altLang="zh-CN" dirty="0" err="1" smtClean="0"/>
               <a:t>abcxyz</a:t>
+            </a:r>
+            <a:endParaRPr lang="en-US" altLang="zh-CN" dirty="0" smtClean="0"/>
+          </a:p>
+          <a:p>
+            <a:r>
+              <a:rPr lang="zh-CN" altLang="en-US" dirty="0" smtClean="0"/>
+              <a:t>要</a:t>
+            </a:r>
+            <a:r>
+              <a:rPr lang="zh-CN" altLang="en-US" dirty="0" smtClean="0"/>
+              <a:t>求</a:t>
+            </a:r>
+            <a:endParaRPr lang="en-US" altLang="zh-CN" dirty="0" smtClean="0"/>
+          </a:p>
+          <a:p>
+            <a:pPr lvl="1"/>
+            <a:r>
+              <a:rPr lang="zh-CN" altLang="en-US" smtClean="0"/>
+              <a:t>不</a:t>
+            </a:r>
+            <a:r>
+              <a:rPr lang="zh-CN" altLang="en-US" smtClean="0"/>
+              <a:t>要使用系统自带的方法</a:t>
             </a:r>
             <a:endParaRPr lang="en-US" altLang="zh-CN" dirty="0" smtClean="0"/>
           </a:p>
